--- a/BM-727_Project Management/BooksAndNotes/PM 4- Project Scope Mgt.pptx
+++ b/BM-727_Project Management/BooksAndNotes/PM 4- Project Scope Mgt.pptx
@@ -168,6 +168,22 @@
       </a:defRPr>
     </a:lvl9pPr>
   </p:defaultTextStyle>
+  <p:extLst>
+    <p:ext uri="{EFAFB233-063F-42B5-8137-9DF3F51BA10A}">
+      <p15:sldGuideLst xmlns:p15="http://schemas.microsoft.com/office/powerpoint/2012/main">
+        <p15:guide id="1" orient="horz" pos="2160">
+          <p15:clr>
+            <a:srgbClr val="A4A3A4"/>
+          </p15:clr>
+        </p15:guide>
+        <p15:guide id="2" pos="2880">
+          <p15:clr>
+            <a:srgbClr val="A4A3A4"/>
+          </p15:clr>
+        </p15:guide>
+      </p15:sldGuideLst>
+    </p:ext>
+  </p:extLst>
 </p:presentation>
 </file>
 
@@ -388,6 +404,11 @@
         </p:txBody>
       </p:sp>
     </p:spTree>
+    <p:extLst>
+      <p:ext uri="{BB962C8B-B14F-4D97-AF65-F5344CB8AC3E}">
+        <p14:creationId xmlns:p14="http://schemas.microsoft.com/office/powerpoint/2010/main" val="875424707"/>
+      </p:ext>
+    </p:extLst>
   </p:cSld>
   <p:clrMap bg1="lt1" tx1="dk1" bg2="lt2" tx2="dk2" accent1="accent1" accent2="accent2" accent3="accent3" accent4="accent4" accent5="accent5" accent6="accent6" hlink="hlink" folHlink="folHlink"/>
 </p:handoutMaster>
@@ -710,6 +731,11 @@
         </p:txBody>
       </p:sp>
     </p:spTree>
+    <p:extLst>
+      <p:ext uri="{BB962C8B-B14F-4D97-AF65-F5344CB8AC3E}">
+        <p14:creationId xmlns:p14="http://schemas.microsoft.com/office/powerpoint/2010/main" val="1089677338"/>
+      </p:ext>
+    </p:extLst>
   </p:cSld>
   <p:clrMap bg1="lt1" tx1="dk1" bg2="lt2" tx2="dk2" accent1="accent1" accent2="accent2" accent3="accent3" accent4="accent4" accent5="accent5" accent6="accent6" hlink="hlink" folHlink="folHlink"/>
   <p:notesStyle>
@@ -917,6 +943,11 @@
         </p:txBody>
       </p:sp>
     </p:spTree>
+    <p:extLst>
+      <p:ext uri="{BB962C8B-B14F-4D97-AF65-F5344CB8AC3E}">
+        <p14:creationId xmlns:p14="http://schemas.microsoft.com/office/powerpoint/2010/main" val="4185526225"/>
+      </p:ext>
+    </p:extLst>
   </p:cSld>
   <p:clrMapOvr>
     <a:masterClrMapping/>
@@ -7643,7 +7674,7 @@
             <a:fld id="{C3F416CD-67A3-4CF0-A210-F6AF31AC147F}" type="datetimeFigureOut">
               <a:rPr lang="en-US" smtClean="0"/>
               <a:pPr algn="l" eaLnBrk="1" latinLnBrk="0" hangingPunct="1"/>
-              <a:t>4/2/2021</a:t>
+              <a:t>5/5/2021</a:t>
             </a:fld>
             <a:endParaRPr lang="en-US" sz="800" dirty="0">
               <a:solidFill>
@@ -8204,15 +8235,15 @@
               </a:spcBef>
             </a:pPr>
             <a:r>
-              <a:rPr lang="en-US" smtClean="0"/>
+              <a:rPr lang="en-US" dirty="0" smtClean="0"/>
               <a:t>A </a:t>
             </a:r>
             <a:r>
-              <a:rPr lang="en-US" b="1" smtClean="0"/>
+              <a:rPr lang="en-US" b="1" dirty="0" smtClean="0"/>
               <a:t>WBS</a:t>
             </a:r>
             <a:r>
-              <a:rPr lang="en-US" smtClean="0"/>
+              <a:rPr lang="en-US" dirty="0" smtClean="0"/>
               <a:t> is a deliverable-oriented grouping of the work involved in a project that defines the total scope of the project.</a:t>
             </a:r>
           </a:p>
@@ -8223,7 +8254,7 @@
               </a:spcBef>
             </a:pPr>
             <a:r>
-              <a:rPr lang="en-US" smtClean="0"/>
+              <a:rPr lang="en-US" dirty="0" smtClean="0"/>
               <a:t>A WBS is a foundation document that provides the basis for planning and managing project schedules, costs, resources, and changes.</a:t>
             </a:r>
           </a:p>
@@ -8234,11 +8265,11 @@
               </a:spcBef>
             </a:pPr>
             <a:r>
-              <a:rPr lang="en-US" b="1" smtClean="0"/>
+              <a:rPr lang="en-US" b="1" dirty="0" smtClean="0"/>
               <a:t>Decomposition</a:t>
             </a:r>
             <a:r>
-              <a:rPr lang="en-US" smtClean="0"/>
+              <a:rPr lang="en-US" dirty="0" smtClean="0"/>
               <a:t> is subdividing project deliverables into smaller pieces.</a:t>
             </a:r>
           </a:p>
@@ -8528,105 +8559,105 @@
           <a:p>
             <a:pPr eaLnBrk="0" hangingPunct="0"/>
             <a:r>
-              <a:rPr lang="en-US" sz="2400"/>
+              <a:rPr lang="en-US" sz="2400" dirty="0"/>
               <a:t>1.0 Concept</a:t>
             </a:r>
           </a:p>
           <a:p>
             <a:pPr eaLnBrk="0" hangingPunct="0"/>
             <a:r>
-              <a:rPr lang="en-US" sz="2400"/>
+              <a:rPr lang="en-US" sz="2400" dirty="0"/>
               <a:t>	1.1 Evaluate current systems</a:t>
             </a:r>
           </a:p>
           <a:p>
             <a:pPr eaLnBrk="0" hangingPunct="0"/>
             <a:r>
-              <a:rPr lang="en-US" sz="2400"/>
+              <a:rPr lang="en-US" sz="2400" dirty="0"/>
               <a:t>	1.2 Define requirements</a:t>
             </a:r>
           </a:p>
           <a:p>
             <a:pPr eaLnBrk="0" hangingPunct="0"/>
             <a:r>
-              <a:rPr lang="en-US" sz="2400"/>
+              <a:rPr lang="en-US" sz="2400" dirty="0"/>
               <a:t>		1.2.1 Define user requirements</a:t>
             </a:r>
           </a:p>
           <a:p>
             <a:pPr eaLnBrk="0" hangingPunct="0"/>
             <a:r>
-              <a:rPr lang="en-US" sz="2400"/>
+              <a:rPr lang="en-US" sz="2400" dirty="0"/>
               <a:t>		1.2.2 Define content requirements</a:t>
             </a:r>
           </a:p>
           <a:p>
             <a:pPr eaLnBrk="0" hangingPunct="0"/>
             <a:r>
-              <a:rPr lang="en-US" sz="2400"/>
+              <a:rPr lang="en-US" sz="2400" dirty="0"/>
               <a:t>		1.2.3 Define system requirements</a:t>
             </a:r>
           </a:p>
           <a:p>
             <a:pPr eaLnBrk="0" hangingPunct="0"/>
             <a:r>
-              <a:rPr lang="en-US" sz="2400"/>
+              <a:rPr lang="en-US" sz="2400" dirty="0"/>
               <a:t>		1.2.4 Define server owner requirements</a:t>
             </a:r>
           </a:p>
           <a:p>
             <a:pPr eaLnBrk="0" hangingPunct="0"/>
             <a:r>
-              <a:rPr lang="en-US" sz="2400"/>
+              <a:rPr lang="en-US" sz="2400" dirty="0"/>
               <a:t>	1.3 Define specific functionality</a:t>
             </a:r>
           </a:p>
           <a:p>
             <a:pPr eaLnBrk="0" hangingPunct="0"/>
             <a:r>
-              <a:rPr lang="en-US" sz="2400"/>
+              <a:rPr lang="en-US" sz="2400" dirty="0"/>
               <a:t>	1.4 Define risks and risk management approach</a:t>
             </a:r>
           </a:p>
           <a:p>
             <a:pPr eaLnBrk="0" hangingPunct="0"/>
             <a:r>
-              <a:rPr lang="en-US" sz="2400"/>
+              <a:rPr lang="en-US" sz="2400" dirty="0"/>
               <a:t>	1.5 Develop project plan</a:t>
             </a:r>
           </a:p>
           <a:p>
             <a:pPr eaLnBrk="0" hangingPunct="0"/>
             <a:r>
-              <a:rPr lang="en-US" sz="2400"/>
+              <a:rPr lang="en-US" sz="2400" dirty="0"/>
               <a:t>	1.6 Brief Web development team</a:t>
             </a:r>
           </a:p>
           <a:p>
             <a:pPr eaLnBrk="0" hangingPunct="0"/>
             <a:r>
-              <a:rPr lang="en-US" sz="2400"/>
+              <a:rPr lang="en-US" sz="2400" dirty="0"/>
               <a:t>2.0 Web Site Design</a:t>
             </a:r>
           </a:p>
           <a:p>
             <a:pPr eaLnBrk="0" hangingPunct="0"/>
             <a:r>
-              <a:rPr lang="en-US" sz="2400"/>
+              <a:rPr lang="en-US" sz="2400" dirty="0"/>
               <a:t>3.0 Web Site Development</a:t>
             </a:r>
           </a:p>
           <a:p>
             <a:pPr eaLnBrk="0" hangingPunct="0"/>
             <a:r>
-              <a:rPr lang="en-US" sz="2400"/>
+              <a:rPr lang="en-US" sz="2400" dirty="0"/>
               <a:t>4.0 Roll Out</a:t>
             </a:r>
           </a:p>
           <a:p>
             <a:pPr eaLnBrk="0" hangingPunct="0"/>
             <a:r>
-              <a:rPr lang="en-US" sz="2400"/>
+              <a:rPr lang="en-US" sz="2400" dirty="0"/>
               <a:t>5.0 Support</a:t>
             </a:r>
           </a:p>
@@ -8679,10 +8710,10 @@
           <a:p>
             <a:pPr eaLnBrk="1" hangingPunct="1"/>
             <a:r>
-              <a:rPr lang="en-US" sz="3600" smtClean="0"/>
+              <a:rPr lang="en-US" sz="3600" dirty="0" smtClean="0"/>
               <a:t>Figure 5-3. Intranet WBS and Gantt Chart in Project 2000</a:t>
             </a:r>
-            <a:endParaRPr lang="en-US" smtClean="0"/>
+            <a:endParaRPr lang="en-US" dirty="0" smtClean="0"/>
           </a:p>
         </p:txBody>
       </p:sp>
@@ -8963,7 +8994,11 @@
             <a:pPr eaLnBrk="1" hangingPunct="1"/>
             <a:r>
               <a:rPr lang="en-US" b="1" dirty="0" smtClean="0"/>
-              <a:t>Mind-mapping approach</a:t>
+              <a:t>Mind-mapping </a:t>
+            </a:r>
+            <a:r>
+              <a:rPr lang="en-US" b="1" dirty="0" smtClean="0"/>
+              <a:t>approach</a:t>
             </a:r>
             <a:r>
               <a:rPr lang="en-US" dirty="0" smtClean="0"/>
@@ -9202,37 +9237,45 @@
           <a:p>
             <a:pPr eaLnBrk="1" hangingPunct="1"/>
             <a:r>
-              <a:rPr lang="en-US" smtClean="0"/>
-              <a:t>Many WBS tasks are vague and must be explained in more detail so people know what to do and can estimate how long the work will take and what it will cost.</a:t>
+              <a:rPr lang="en-US" dirty="0" smtClean="0"/>
+              <a:t>Many WBS tasks are </a:t>
+            </a:r>
+            <a:r>
+              <a:rPr lang="en-US" dirty="0" smtClean="0"/>
+              <a:t>vague(unclear) </a:t>
+            </a:r>
+            <a:r>
+              <a:rPr lang="en-US" dirty="0" smtClean="0"/>
+              <a:t>and must be explained in more detail so people know what to do and can estimate how long the work will take and what it will cost.</a:t>
             </a:r>
           </a:p>
           <a:p>
             <a:pPr eaLnBrk="1" hangingPunct="1"/>
             <a:r>
-              <a:rPr lang="en-US" smtClean="0"/>
+              <a:rPr lang="en-US" dirty="0" smtClean="0"/>
               <a:t>A </a:t>
             </a:r>
             <a:r>
-              <a:rPr lang="en-US" b="1" smtClean="0"/>
+              <a:rPr lang="en-US" b="1" dirty="0" smtClean="0"/>
               <a:t>WBS dictionary</a:t>
             </a:r>
             <a:r>
-              <a:rPr lang="en-US" smtClean="0"/>
+              <a:rPr lang="en-US" dirty="0" smtClean="0"/>
               <a:t> is a document that describes detailed information about each WBS item.</a:t>
             </a:r>
           </a:p>
           <a:p>
             <a:pPr eaLnBrk="1" hangingPunct="1"/>
             <a:r>
-              <a:rPr lang="en-US" smtClean="0"/>
+              <a:rPr lang="en-US" dirty="0" smtClean="0"/>
               <a:t>The approved project scope statement and its WBS and WBS dictionary form the </a:t>
             </a:r>
             <a:r>
-              <a:rPr lang="en-US" b="1" smtClean="0"/>
+              <a:rPr lang="en-US" b="1" dirty="0" smtClean="0"/>
               <a:t>scope baseline</a:t>
             </a:r>
             <a:r>
-              <a:rPr lang="en-US" smtClean="0"/>
+              <a:rPr lang="en-US" dirty="0" smtClean="0"/>
               <a:t>, which is used to measure performance in meeting project scope goals.</a:t>
             </a:r>
           </a:p>
@@ -9304,7 +9347,7 @@
         </p:nvSpPr>
         <p:spPr>
           <a:xfrm>
-            <a:off x="228600" y="1447800"/>
+            <a:off x="364331" y="1447800"/>
             <a:ext cx="8415338" cy="4953000"/>
           </a:xfrm>
         </p:spPr>
@@ -9312,55 +9355,55 @@
           <a:bodyPr/>
           <a:lstStyle/>
           <a:p>
-            <a:pPr eaLnBrk="1" hangingPunct="1">
+            <a:pPr algn="just" eaLnBrk="1" hangingPunct="1">
               <a:spcBef>
                 <a:spcPct val="80000"/>
               </a:spcBef>
             </a:pPr>
             <a:r>
-              <a:rPr lang="en-US" b="1" smtClean="0"/>
+              <a:rPr lang="en-US" b="1" dirty="0" smtClean="0"/>
               <a:t>Scope</a:t>
             </a:r>
             <a:r>
-              <a:rPr lang="en-US" smtClean="0"/>
+              <a:rPr lang="en-US" dirty="0" smtClean="0"/>
               <a:t> refers to </a:t>
             </a:r>
             <a:r>
-              <a:rPr lang="en-US" i="1" smtClean="0"/>
+              <a:rPr lang="en-US" i="1" dirty="0" smtClean="0"/>
               <a:t>all</a:t>
             </a:r>
             <a:r>
-              <a:rPr lang="en-US" smtClean="0"/>
+              <a:rPr lang="en-US" dirty="0" smtClean="0"/>
               <a:t> the work involved in creating the products of the project and the processes used to create them.</a:t>
             </a:r>
           </a:p>
           <a:p>
-            <a:pPr eaLnBrk="1" hangingPunct="1">
+            <a:pPr algn="just" eaLnBrk="1" hangingPunct="1">
               <a:spcBef>
                 <a:spcPct val="80000"/>
               </a:spcBef>
             </a:pPr>
             <a:r>
-              <a:rPr lang="en-US" smtClean="0"/>
+              <a:rPr lang="en-US" dirty="0" smtClean="0"/>
               <a:t> A </a:t>
             </a:r>
             <a:r>
-              <a:rPr lang="en-US" b="1" smtClean="0"/>
+              <a:rPr lang="en-US" b="1" dirty="0" smtClean="0"/>
               <a:t>deliverable</a:t>
             </a:r>
             <a:r>
-              <a:rPr lang="en-US" smtClean="0"/>
+              <a:rPr lang="en-US" dirty="0" smtClean="0"/>
               <a:t> is a product produced as part of a project, such as hardware or software, planning documents, or meeting minutes.</a:t>
             </a:r>
           </a:p>
           <a:p>
-            <a:pPr eaLnBrk="1" hangingPunct="1">
+            <a:pPr algn="just" eaLnBrk="1" hangingPunct="1">
               <a:spcBef>
                 <a:spcPct val="80000"/>
               </a:spcBef>
             </a:pPr>
             <a:r>
-              <a:rPr lang="en-US" smtClean="0"/>
+              <a:rPr lang="en-US" dirty="0" smtClean="0"/>
               <a:t>Project scope management includes the processes involved in defining and controlling what is or is not included in a project.</a:t>
             </a:r>
           </a:p>
@@ -9449,28 +9492,28 @@
           <a:p>
             <a:pPr eaLnBrk="1" hangingPunct="1"/>
             <a:r>
-              <a:rPr lang="en-US" sz="2400" smtClean="0"/>
+              <a:rPr lang="en-US" sz="2400" dirty="0" smtClean="0"/>
               <a:t>A unit of work should appear in only one place in the WBS.</a:t>
             </a:r>
           </a:p>
           <a:p>
             <a:pPr eaLnBrk="1" hangingPunct="1"/>
             <a:r>
-              <a:rPr lang="en-US" sz="2400" smtClean="0"/>
+              <a:rPr lang="en-US" sz="2400" dirty="0" smtClean="0"/>
               <a:t>The work content of a WBS item is the sum of the WBS items below it.</a:t>
             </a:r>
           </a:p>
           <a:p>
             <a:pPr eaLnBrk="1" hangingPunct="1"/>
             <a:r>
-              <a:rPr lang="en-US" sz="2400" smtClean="0"/>
+              <a:rPr lang="en-US" sz="2400" dirty="0" smtClean="0"/>
               <a:t>A WBS item is the responsibility of only one individual, even though many people may be working on it.</a:t>
             </a:r>
           </a:p>
           <a:p>
             <a:pPr eaLnBrk="1" hangingPunct="1"/>
             <a:r>
-              <a:rPr lang="en-US" sz="2400" smtClean="0"/>
+              <a:rPr lang="en-US" sz="2400" dirty="0" smtClean="0"/>
               <a:t>The WBS must be consistent with the way in which work is actually going to be performed; it should serve the project team first, and other purposes only if practical.</a:t>
             </a:r>
           </a:p>
@@ -9508,35 +9551,35 @@
           <a:p>
             <a:pPr eaLnBrk="0" hangingPunct="0"/>
             <a:r>
-              <a:rPr lang="en-US" sz="1800" b="1"/>
+              <a:rPr lang="en-US" sz="1800" b="1" dirty="0"/>
               <a:t>*</a:t>
             </a:r>
             <a:r>
-              <a:rPr lang="en-US" sz="1800"/>
+              <a:rPr lang="en-US" sz="1800" dirty="0"/>
               <a:t>Cleland, David I.,</a:t>
             </a:r>
             <a:r>
-              <a:rPr lang="en-US" sz="1800" b="1"/>
+              <a:rPr lang="en-US" sz="1800" b="1" dirty="0"/>
               <a:t> </a:t>
             </a:r>
             <a:r>
-              <a:rPr lang="en-US" sz="1800" i="1"/>
+              <a:rPr lang="en-US" sz="1800" i="1" dirty="0"/>
               <a:t>Project Management: Strategic Design and Implementation,</a:t>
             </a:r>
             <a:r>
-              <a:rPr lang="en-US" sz="1800" b="1"/>
+              <a:rPr lang="en-US" sz="1800" b="1" dirty="0"/>
               <a:t> </a:t>
             </a:r>
             <a:r>
-              <a:rPr lang="en-US" sz="1800"/>
+              <a:rPr lang="en-US" sz="1800" dirty="0"/>
               <a:t>2</a:t>
             </a:r>
             <a:r>
-              <a:rPr lang="en-US" sz="1800" baseline="30000"/>
+              <a:rPr lang="en-US" sz="1800" baseline="30000" dirty="0"/>
               <a:t>nd</a:t>
             </a:r>
             <a:r>
-              <a:rPr lang="en-US" sz="1800"/>
+              <a:rPr lang="en-US" sz="1800" dirty="0"/>
               <a:t> edition (New York: McGraw-Hill 1994).</a:t>
             </a:r>
           </a:p>
@@ -9546,7 +9589,7 @@
                 <a:spcPct val="50000"/>
               </a:spcBef>
             </a:pPr>
-            <a:endParaRPr lang="en-US" sz="3200"/>
+            <a:endParaRPr lang="en-US" sz="3200" dirty="0"/>
           </a:p>
         </p:txBody>
       </p:sp>
@@ -9620,24 +9663,52 @@
           <a:p>
             <a:pPr eaLnBrk="1" hangingPunct="1"/>
             <a:r>
+              <a:rPr lang="en-US" sz="2400" dirty="0" smtClean="0"/>
+              <a:t>Project team </a:t>
+            </a:r>
+            <a:r>
+              <a:rPr lang="en-US" sz="2400" dirty="0" smtClean="0"/>
+              <a:t>members should be involved in developing the WBS to ensure consistency and </a:t>
+            </a:r>
+            <a:r>
+              <a:rPr lang="en-US" sz="2400" dirty="0" smtClean="0"/>
+              <a:t>buy-in.</a:t>
+            </a:r>
+          </a:p>
+          <a:p>
+            <a:pPr eaLnBrk="1" hangingPunct="1"/>
+            <a:r>
+              <a:rPr lang="en-US" sz="2400" dirty="0" smtClean="0"/>
+              <a:t>Each WBS item </a:t>
+            </a:r>
+            <a:r>
+              <a:rPr lang="en-US" sz="2400" dirty="0" smtClean="0"/>
+              <a:t>must </a:t>
+            </a:r>
+            <a:r>
+              <a:rPr lang="en-US" sz="2400" dirty="0" smtClean="0"/>
+              <a:t>be documented in a WBS dictionary to ensure accurate understanding of the scope of work that is included and not included in that item.</a:t>
+            </a:r>
+          </a:p>
+          <a:p>
+            <a:pPr eaLnBrk="1" hangingPunct="1"/>
+            <a:r>
+              <a:rPr lang="en-US" sz="2400" dirty="0" smtClean="0"/>
+              <a:t>The WBS must be a flexible tool to </a:t>
+            </a:r>
+            <a:r>
               <a:rPr lang="en-US" sz="2400" smtClean="0"/>
-              <a:t>Project team members should be involved in developing the WBS to ensure consistency and buy-in.</a:t>
-            </a:r>
-          </a:p>
-          <a:p>
-            <a:pPr eaLnBrk="1" hangingPunct="1"/>
+              <a:t>accommodate </a:t>
+            </a:r>
             <a:r>
               <a:rPr lang="en-US" sz="2400" smtClean="0"/>
-              <a:t>Each WBS item must be documented in a WBS dictionary to ensure accurate understanding of the scope of work that is included and not included in that item.</a:t>
-            </a:r>
-          </a:p>
-          <a:p>
-            <a:pPr eaLnBrk="1" hangingPunct="1"/>
-            <a:r>
-              <a:rPr lang="en-US" sz="2400" smtClean="0"/>
-              <a:t>The WBS must be a flexible tool to accommodate inevitable changes while properly maintaining control of the work content in the project according to the scope statement.</a:t>
-            </a:r>
-            <a:endParaRPr lang="en-US" sz="2000" smtClean="0"/>
+              <a:t>inevitable(Unavoidable) </a:t>
+            </a:r>
+            <a:r>
+              <a:rPr lang="en-US" sz="2400" dirty="0" smtClean="0"/>
+              <a:t>changes while properly maintaining control of the work content in the project according to the scope statement.</a:t>
+            </a:r>
+            <a:endParaRPr lang="en-US" sz="2000" dirty="0" smtClean="0"/>
           </a:p>
         </p:txBody>
       </p:sp>
@@ -10677,64 +10748,64 @@
           <a:p>
             <a:pPr marL="609600" indent="-609600" eaLnBrk="1" hangingPunct="1"/>
             <a:r>
-              <a:rPr lang="en-US" sz="2600" b="1" smtClean="0"/>
+              <a:rPr lang="en-US" sz="2600" b="1" dirty="0" smtClean="0"/>
               <a:t>Scope planning</a:t>
             </a:r>
             <a:r>
-              <a:rPr lang="en-US" sz="2600" smtClean="0"/>
+              <a:rPr lang="en-US" sz="2600" dirty="0" smtClean="0"/>
               <a:t>:</a:t>
             </a:r>
             <a:r>
-              <a:rPr lang="en-US" sz="2600" b="1" smtClean="0"/>
+              <a:rPr lang="en-US" sz="2600" b="1" dirty="0" smtClean="0"/>
               <a:t> </a:t>
             </a:r>
             <a:r>
-              <a:rPr lang="en-US" sz="2600" smtClean="0"/>
+              <a:rPr lang="en-US" sz="2600" dirty="0" smtClean="0"/>
               <a:t>Deciding how the scope will be defined, verified, and controlled.</a:t>
             </a:r>
           </a:p>
           <a:p>
             <a:pPr marL="609600" indent="-609600" eaLnBrk="1" hangingPunct="1"/>
             <a:r>
-              <a:rPr lang="en-US" sz="2600" b="1" smtClean="0"/>
+              <a:rPr lang="en-US" sz="2600" b="1" dirty="0" smtClean="0"/>
               <a:t>Scope definition</a:t>
             </a:r>
             <a:r>
-              <a:rPr lang="en-US" sz="2600" smtClean="0"/>
+              <a:rPr lang="en-US" sz="2600" dirty="0" smtClean="0"/>
               <a:t>: Reviewing the project charter and preliminary scope statement and adding more information as requirements are developed and change requests are approved.</a:t>
             </a:r>
-            <a:endParaRPr lang="en-US" sz="2600" b="1" smtClean="0"/>
+            <a:endParaRPr lang="en-US" sz="2600" b="1" dirty="0" smtClean="0"/>
           </a:p>
           <a:p>
             <a:pPr marL="609600" indent="-609600" eaLnBrk="1" hangingPunct="1"/>
             <a:r>
-              <a:rPr lang="en-US" sz="2600" b="1" smtClean="0"/>
+              <a:rPr lang="en-US" sz="2600" b="1" dirty="0" smtClean="0"/>
               <a:t>Creating the WBS</a:t>
             </a:r>
             <a:r>
-              <a:rPr lang="en-US" sz="2600" smtClean="0"/>
+              <a:rPr lang="en-US" sz="2600" dirty="0" smtClean="0"/>
               <a:t>: Subdividing the major project deliverables into smaller, more manageable components.</a:t>
             </a:r>
           </a:p>
           <a:p>
             <a:pPr marL="609600" indent="-609600" eaLnBrk="1" hangingPunct="1"/>
             <a:r>
-              <a:rPr lang="en-US" sz="2600" b="1" smtClean="0"/>
+              <a:rPr lang="en-US" sz="2600" b="1" dirty="0" smtClean="0"/>
               <a:t>Scope verification</a:t>
             </a:r>
             <a:r>
-              <a:rPr lang="en-US" sz="2600" smtClean="0"/>
+              <a:rPr lang="en-US" sz="2600" dirty="0" smtClean="0"/>
               <a:t>: Formalizing acceptance of the project scope.</a:t>
             </a:r>
           </a:p>
           <a:p>
             <a:pPr marL="609600" indent="-609600" eaLnBrk="1" hangingPunct="1"/>
             <a:r>
-              <a:rPr lang="en-US" sz="2600" b="1" smtClean="0"/>
+              <a:rPr lang="en-US" sz="2600" b="1" dirty="0" smtClean="0"/>
               <a:t>Scope control</a:t>
             </a:r>
             <a:r>
-              <a:rPr lang="en-US" sz="2600" smtClean="0"/>
+              <a:rPr lang="en-US" sz="2600" dirty="0" smtClean="0"/>
               <a:t>: Controlling changes to project scope.</a:t>
             </a:r>
           </a:p>
@@ -10826,15 +10897,15 @@
               </a:spcBef>
             </a:pPr>
             <a:r>
-              <a:rPr lang="en-US" smtClean="0"/>
+              <a:rPr lang="en-US" dirty="0" smtClean="0"/>
               <a:t>The </a:t>
             </a:r>
             <a:r>
-              <a:rPr lang="en-US" b="1" smtClean="0"/>
+              <a:rPr lang="en-US" b="1" dirty="0" smtClean="0"/>
               <a:t>scope management plan</a:t>
             </a:r>
             <a:r>
-              <a:rPr lang="en-US" smtClean="0"/>
+              <a:rPr lang="en-US" dirty="0" smtClean="0"/>
               <a:t> is a document that includes descriptions of how the team will prepare the project scope statement, create the WBS, verify completion of the project deliverables, and control requests for changes to the project scope.</a:t>
             </a:r>
           </a:p>
@@ -10845,7 +10916,7 @@
               </a:spcBef>
             </a:pPr>
             <a:r>
-              <a:rPr lang="en-US" smtClean="0"/>
+              <a:rPr lang="en-US" dirty="0" smtClean="0"/>
               <a:t>Key inputs include the project charter, preliminary scope statement, and project management plan. </a:t>
             </a:r>
           </a:p>
@@ -11096,14 +11167,14 @@
           <a:p>
             <a:pPr eaLnBrk="1" hangingPunct="1"/>
             <a:r>
-              <a:rPr lang="en-US" smtClean="0"/>
+              <a:rPr lang="en-US" dirty="0" smtClean="0"/>
               <a:t>Scope Definition and the</a:t>
             </a:r>
             <a:br>
-              <a:rPr lang="en-US" smtClean="0"/>
+              <a:rPr lang="en-US" dirty="0" smtClean="0"/>
             </a:br>
             <a:r>
-              <a:rPr lang="en-US" smtClean="0"/>
+              <a:rPr lang="en-US" dirty="0" smtClean="0"/>
               <a:t>Project Scope Statement</a:t>
             </a:r>
           </a:p>
@@ -11129,24 +11200,24 @@
           <a:bodyPr/>
           <a:lstStyle/>
           <a:p>
-            <a:pPr eaLnBrk="1" hangingPunct="1">
+            <a:pPr algn="just" eaLnBrk="1" hangingPunct="1">
               <a:spcBef>
                 <a:spcPct val="100000"/>
               </a:spcBef>
             </a:pPr>
             <a:r>
-              <a:rPr lang="en-US" smtClean="0"/>
+              <a:rPr lang="en-US" dirty="0" smtClean="0"/>
               <a:t>The preliminary scope statement, project charter, organizational process assets, and approved change requests provide a basis for creating the project scope statement.</a:t>
             </a:r>
           </a:p>
           <a:p>
-            <a:pPr eaLnBrk="1" hangingPunct="1">
+            <a:pPr algn="just" eaLnBrk="1" hangingPunct="1">
               <a:spcBef>
                 <a:spcPct val="100000"/>
               </a:spcBef>
             </a:pPr>
             <a:r>
-              <a:rPr lang="en-US" smtClean="0"/>
+              <a:rPr lang="en-US" dirty="0" smtClean="0"/>
               <a:t>As time progresses, the scope of a project should become clearer and more specific.</a:t>
             </a:r>
           </a:p>
